--- a/wiki/match.pptx
+++ b/wiki/match.pptx
@@ -1687,29 +1687,29 @@
     </dgm:pt>
   </dgm:ptLst>
   <dgm:cxnLst>
+    <dgm:cxn modelId="{C0DB115C-AD71-4F2D-AB64-FB9A820CB0D5}" type="presOf" srcId="{D5F15200-93E1-4868-B7BC-F15A0936E75B}" destId="{2A462C4A-7E82-4740-9C41-E791250229A8}" srcOrd="0" destOrd="0" presId="urn:microsoft.com/office/officeart/2005/8/layout/radial1"/>
+    <dgm:cxn modelId="{77D51E1F-027B-4B31-9738-DA0FC6491BFC}" type="presOf" srcId="{53866EAA-44AC-4410-A773-A5A3CE9CDDB8}" destId="{0BAB001A-C160-413C-A4D0-E1753BD83A59}" srcOrd="0" destOrd="0" presId="urn:microsoft.com/office/officeart/2005/8/layout/radial1"/>
     <dgm:cxn modelId="{2293E941-AE4F-413A-9DE6-1AC670962B10}" type="presOf" srcId="{58BA2EBD-31FD-48C3-846E-210C8C1DCA49}" destId="{A2EE1941-37B2-402E-B2B2-82D480D458D4}" srcOrd="0" destOrd="0" presId="urn:microsoft.com/office/officeart/2005/8/layout/radial1"/>
-    <dgm:cxn modelId="{EB4A10EA-6054-4628-BC50-DC0655B9074A}" type="presOf" srcId="{07630D6A-A692-4CED-8FA6-7377D0C973FB}" destId="{9E465BDF-CEDD-4563-9307-932722F198A7}" srcOrd="0" destOrd="0" presId="urn:microsoft.com/office/officeart/2005/8/layout/radial1"/>
-    <dgm:cxn modelId="{CB6ABD69-E1CD-4903-BCC3-C02016FE3634}" srcId="{D5F15200-93E1-4868-B7BC-F15A0936E75B}" destId="{ED85D651-6F68-4209-AD70-4DA117F4F96B}" srcOrd="4" destOrd="0" parTransId="{07630D6A-A692-4CED-8FA6-7377D0C973FB}" sibTransId="{B051EC22-3932-4BFD-BD2F-731961CE6333}"/>
+    <dgm:cxn modelId="{7BA2D5FA-B5B7-4811-BD9C-5B4FDDEE123E}" type="presOf" srcId="{0DB48EB2-2691-4E3D-8B7F-D39CF66624BD}" destId="{1B21EAF1-8DD2-4495-845C-A84C61903CCC}" srcOrd="0" destOrd="0" presId="urn:microsoft.com/office/officeart/2005/8/layout/radial1"/>
+    <dgm:cxn modelId="{BC064622-277C-4624-94E8-3B6C17F192F1}" type="presOf" srcId="{9033BEE1-11C2-47CB-BF8A-F5754957F8A1}" destId="{376CF924-297F-4122-ADFA-00FF8321419D}" srcOrd="0" destOrd="0" presId="urn:microsoft.com/office/officeart/2005/8/layout/radial1"/>
     <dgm:cxn modelId="{78E39564-4836-49BE-AC2F-E5DE46D4C172}" type="presOf" srcId="{93C82724-7A11-4633-8B2A-1DAADA23F26F}" destId="{09FDA291-2B88-440E-A5BD-BE23906A6944}" srcOrd="0" destOrd="0" presId="urn:microsoft.com/office/officeart/2005/8/layout/radial1"/>
-    <dgm:cxn modelId="{5E3A3EF8-4003-46BF-BC43-1D06A5528291}" type="presOf" srcId="{86F1B8FC-B35E-4994-99C4-D71C52932D1E}" destId="{64DEE364-AE56-4E1D-92E3-053C651C527C}" srcOrd="0" destOrd="0" presId="urn:microsoft.com/office/officeart/2005/8/layout/radial1"/>
-    <dgm:cxn modelId="{27227A98-EFB5-4A89-842C-CEDF04AEF05B}" type="presOf" srcId="{93C82724-7A11-4633-8B2A-1DAADA23F26F}" destId="{DF62F0E5-6351-484A-BEB9-BC34EA2B99C1}" srcOrd="1" destOrd="0" presId="urn:microsoft.com/office/officeart/2005/8/layout/radial1"/>
-    <dgm:cxn modelId="{0F30F530-4666-41D7-B052-CE0E42A3530A}" srcId="{D5F15200-93E1-4868-B7BC-F15A0936E75B}" destId="{58BA2EBD-31FD-48C3-846E-210C8C1DCA49}" srcOrd="3" destOrd="0" parTransId="{53866EAA-44AC-4410-A773-A5A3CE9CDDB8}" sibTransId="{04487150-0325-4E15-9E3C-5B0437CFE560}"/>
+    <dgm:cxn modelId="{4B0BF7F2-4325-4111-A9B6-8E3AEEAF1318}" type="presOf" srcId="{10743A9C-9350-4FBD-9131-784582F725C2}" destId="{955C68BA-5064-4E9A-B86E-8B38D4A76733}" srcOrd="0" destOrd="0" presId="urn:microsoft.com/office/officeart/2005/8/layout/radial1"/>
+    <dgm:cxn modelId="{289FCAE2-C48F-4783-93AF-245260E75301}" srcId="{D5F15200-93E1-4868-B7BC-F15A0936E75B}" destId="{961EA740-FF57-41C0-9DF7-B57ABFB7FE4A}" srcOrd="0" destOrd="0" parTransId="{86F1B8FC-B35E-4994-99C4-D71C52932D1E}" sibTransId="{5AA4F320-D453-4BFB-9B56-3FE4B1BF70EF}"/>
+    <dgm:cxn modelId="{C351C22C-2B04-4281-920A-3C7C01C25C55}" srcId="{D5F15200-93E1-4868-B7BC-F15A0936E75B}" destId="{9033BEE1-11C2-47CB-BF8A-F5754957F8A1}" srcOrd="2" destOrd="0" parTransId="{0DB48EB2-2691-4E3D-8B7F-D39CF66624BD}" sibTransId="{FD6AC596-4F6F-453B-900B-165A571ACE7A}"/>
     <dgm:cxn modelId="{D472F23B-47F1-4577-8870-BEEF06CD4022}" type="presOf" srcId="{86F1B8FC-B35E-4994-99C4-D71C52932D1E}" destId="{9F8358B0-A290-4D47-A035-8D6E0D45B08D}" srcOrd="1" destOrd="0" presId="urn:microsoft.com/office/officeart/2005/8/layout/radial1"/>
     <dgm:cxn modelId="{A8FF5C30-A16D-4AAD-A314-FF2F2BB965CC}" type="presOf" srcId="{961EA740-FF57-41C0-9DF7-B57ABFB7FE4A}" destId="{8EB9AAC8-5986-4402-887E-849AA77200D4}" srcOrd="0" destOrd="0" presId="urn:microsoft.com/office/officeart/2005/8/layout/radial1"/>
+    <dgm:cxn modelId="{4F885813-AFA6-46C3-ACE4-8549FC00A78B}" type="presOf" srcId="{0DB48EB2-2691-4E3D-8B7F-D39CF66624BD}" destId="{D0BC2C87-A67C-46C4-B5F9-AD2F0EE33CBC}" srcOrd="1" destOrd="0" presId="urn:microsoft.com/office/officeart/2005/8/layout/radial1"/>
     <dgm:cxn modelId="{E3F7BE68-E315-4533-B28D-484FE7FFD0F6}" srcId="{10743A9C-9350-4FBD-9131-784582F725C2}" destId="{D5F15200-93E1-4868-B7BC-F15A0936E75B}" srcOrd="0" destOrd="0" parTransId="{2A4178C5-8E14-4B18-9090-B9C8CECD7A8B}" sibTransId="{66F66A60-2CB5-4E0F-8B85-89AB881A7742}"/>
+    <dgm:cxn modelId="{0F30F530-4666-41D7-B052-CE0E42A3530A}" srcId="{D5F15200-93E1-4868-B7BC-F15A0936E75B}" destId="{58BA2EBD-31FD-48C3-846E-210C8C1DCA49}" srcOrd="3" destOrd="0" parTransId="{53866EAA-44AC-4410-A773-A5A3CE9CDDB8}" sibTransId="{04487150-0325-4E15-9E3C-5B0437CFE560}"/>
+    <dgm:cxn modelId="{1B7FD062-4228-419A-B21E-5248D0AA49DE}" type="presOf" srcId="{07630D6A-A692-4CED-8FA6-7377D0C973FB}" destId="{DB63A1BF-E733-4054-B23E-8E8F2C88D112}" srcOrd="1" destOrd="0" presId="urn:microsoft.com/office/officeart/2005/8/layout/radial1"/>
+    <dgm:cxn modelId="{F1380F55-26B2-408B-A4AF-7905101E3A20}" srcId="{D5F15200-93E1-4868-B7BC-F15A0936E75B}" destId="{7B8CD4C6-56E5-4452-AB24-7AFBAC211AD6}" srcOrd="1" destOrd="0" parTransId="{93C82724-7A11-4633-8B2A-1DAADA23F26F}" sibTransId="{483809F6-464A-40A3-B7CA-4C9E9532552A}"/>
+    <dgm:cxn modelId="{1FDED41C-CF75-4863-BBD8-89C88948DF5C}" type="presOf" srcId="{ED85D651-6F68-4209-AD70-4DA117F4F96B}" destId="{A3003EFD-C01C-4DD3-B759-5F6E598A16B4}" srcOrd="0" destOrd="0" presId="urn:microsoft.com/office/officeart/2005/8/layout/radial1"/>
+    <dgm:cxn modelId="{CB6ABD69-E1CD-4903-BCC3-C02016FE3634}" srcId="{D5F15200-93E1-4868-B7BC-F15A0936E75B}" destId="{ED85D651-6F68-4209-AD70-4DA117F4F96B}" srcOrd="4" destOrd="0" parTransId="{07630D6A-A692-4CED-8FA6-7377D0C973FB}" sibTransId="{B051EC22-3932-4BFD-BD2F-731961CE6333}"/>
+    <dgm:cxn modelId="{27227A98-EFB5-4A89-842C-CEDF04AEF05B}" type="presOf" srcId="{93C82724-7A11-4633-8B2A-1DAADA23F26F}" destId="{DF62F0E5-6351-484A-BEB9-BC34EA2B99C1}" srcOrd="1" destOrd="0" presId="urn:microsoft.com/office/officeart/2005/8/layout/radial1"/>
     <dgm:cxn modelId="{C2D95296-E2DC-45F6-B9E9-45786CA18F81}" type="presOf" srcId="{53866EAA-44AC-4410-A773-A5A3CE9CDDB8}" destId="{2413AF69-19E8-45C1-8932-7B7B9AD9CE21}" srcOrd="1" destOrd="0" presId="urn:microsoft.com/office/officeart/2005/8/layout/radial1"/>
-    <dgm:cxn modelId="{1FDED41C-CF75-4863-BBD8-89C88948DF5C}" type="presOf" srcId="{ED85D651-6F68-4209-AD70-4DA117F4F96B}" destId="{A3003EFD-C01C-4DD3-B759-5F6E598A16B4}" srcOrd="0" destOrd="0" presId="urn:microsoft.com/office/officeart/2005/8/layout/radial1"/>
-    <dgm:cxn modelId="{F1380F55-26B2-408B-A4AF-7905101E3A20}" srcId="{D5F15200-93E1-4868-B7BC-F15A0936E75B}" destId="{7B8CD4C6-56E5-4452-AB24-7AFBAC211AD6}" srcOrd="1" destOrd="0" parTransId="{93C82724-7A11-4633-8B2A-1DAADA23F26F}" sibTransId="{483809F6-464A-40A3-B7CA-4C9E9532552A}"/>
+    <dgm:cxn modelId="{5E3A3EF8-4003-46BF-BC43-1D06A5528291}" type="presOf" srcId="{86F1B8FC-B35E-4994-99C4-D71C52932D1E}" destId="{64DEE364-AE56-4E1D-92E3-053C651C527C}" srcOrd="0" destOrd="0" presId="urn:microsoft.com/office/officeart/2005/8/layout/radial1"/>
+    <dgm:cxn modelId="{EB4A10EA-6054-4628-BC50-DC0655B9074A}" type="presOf" srcId="{07630D6A-A692-4CED-8FA6-7377D0C973FB}" destId="{9E465BDF-CEDD-4563-9307-932722F198A7}" srcOrd="0" destOrd="0" presId="urn:microsoft.com/office/officeart/2005/8/layout/radial1"/>
     <dgm:cxn modelId="{872E1955-A1B0-4F5D-A645-967042446432}" type="presOf" srcId="{7B8CD4C6-56E5-4452-AB24-7AFBAC211AD6}" destId="{02D04EC0-6C74-465F-8E6D-E6E669C666A2}" srcOrd="0" destOrd="0" presId="urn:microsoft.com/office/officeart/2005/8/layout/radial1"/>
-    <dgm:cxn modelId="{C0DB115C-AD71-4F2D-AB64-FB9A820CB0D5}" type="presOf" srcId="{D5F15200-93E1-4868-B7BC-F15A0936E75B}" destId="{2A462C4A-7E82-4740-9C41-E791250229A8}" srcOrd="0" destOrd="0" presId="urn:microsoft.com/office/officeart/2005/8/layout/radial1"/>
-    <dgm:cxn modelId="{BC064622-277C-4624-94E8-3B6C17F192F1}" type="presOf" srcId="{9033BEE1-11C2-47CB-BF8A-F5754957F8A1}" destId="{376CF924-297F-4122-ADFA-00FF8321419D}" srcOrd="0" destOrd="0" presId="urn:microsoft.com/office/officeart/2005/8/layout/radial1"/>
-    <dgm:cxn modelId="{4B0BF7F2-4325-4111-A9B6-8E3AEEAF1318}" type="presOf" srcId="{10743A9C-9350-4FBD-9131-784582F725C2}" destId="{955C68BA-5064-4E9A-B86E-8B38D4A76733}" srcOrd="0" destOrd="0" presId="urn:microsoft.com/office/officeart/2005/8/layout/radial1"/>
-    <dgm:cxn modelId="{1B7FD062-4228-419A-B21E-5248D0AA49DE}" type="presOf" srcId="{07630D6A-A692-4CED-8FA6-7377D0C973FB}" destId="{DB63A1BF-E733-4054-B23E-8E8F2C88D112}" srcOrd="1" destOrd="0" presId="urn:microsoft.com/office/officeart/2005/8/layout/radial1"/>
-    <dgm:cxn modelId="{77D51E1F-027B-4B31-9738-DA0FC6491BFC}" type="presOf" srcId="{53866EAA-44AC-4410-A773-A5A3CE9CDDB8}" destId="{0BAB001A-C160-413C-A4D0-E1753BD83A59}" srcOrd="0" destOrd="0" presId="urn:microsoft.com/office/officeart/2005/8/layout/radial1"/>
-    <dgm:cxn modelId="{C351C22C-2B04-4281-920A-3C7C01C25C55}" srcId="{D5F15200-93E1-4868-B7BC-F15A0936E75B}" destId="{9033BEE1-11C2-47CB-BF8A-F5754957F8A1}" srcOrd="2" destOrd="0" parTransId="{0DB48EB2-2691-4E3D-8B7F-D39CF66624BD}" sibTransId="{FD6AC596-4F6F-453B-900B-165A571ACE7A}"/>
-    <dgm:cxn modelId="{7BA2D5FA-B5B7-4811-BD9C-5B4FDDEE123E}" type="presOf" srcId="{0DB48EB2-2691-4E3D-8B7F-D39CF66624BD}" destId="{1B21EAF1-8DD2-4495-845C-A84C61903CCC}" srcOrd="0" destOrd="0" presId="urn:microsoft.com/office/officeart/2005/8/layout/radial1"/>
-    <dgm:cxn modelId="{4F885813-AFA6-46C3-ACE4-8549FC00A78B}" type="presOf" srcId="{0DB48EB2-2691-4E3D-8B7F-D39CF66624BD}" destId="{D0BC2C87-A67C-46C4-B5F9-AD2F0EE33CBC}" srcOrd="1" destOrd="0" presId="urn:microsoft.com/office/officeart/2005/8/layout/radial1"/>
-    <dgm:cxn modelId="{289FCAE2-C48F-4783-93AF-245260E75301}" srcId="{D5F15200-93E1-4868-B7BC-F15A0936E75B}" destId="{961EA740-FF57-41C0-9DF7-B57ABFB7FE4A}" srcOrd="0" destOrd="0" parTransId="{86F1B8FC-B35E-4994-99C4-D71C52932D1E}" sibTransId="{5AA4F320-D453-4BFB-9B56-3FE4B1BF70EF}"/>
     <dgm:cxn modelId="{4433BEB1-095F-4D09-A6C0-BA583C04715E}" type="presParOf" srcId="{955C68BA-5064-4E9A-B86E-8B38D4A76733}" destId="{2A462C4A-7E82-4740-9C41-E791250229A8}" srcOrd="0" destOrd="0" presId="urn:microsoft.com/office/officeart/2005/8/layout/radial1"/>
     <dgm:cxn modelId="{CF79C3F6-198E-4FB2-9936-130FB92D5B8B}" type="presParOf" srcId="{955C68BA-5064-4E9A-B86E-8B38D4A76733}" destId="{64DEE364-AE56-4E1D-92E3-053C651C527C}" srcOrd="1" destOrd="0" presId="urn:microsoft.com/office/officeart/2005/8/layout/radial1"/>
     <dgm:cxn modelId="{423778E2-536F-4EFE-91B3-99FC18D1556D}" type="presParOf" srcId="{64DEE364-AE56-4E1D-92E3-053C651C527C}" destId="{9F8358B0-A290-4D47-A035-8D6E0D45B08D}" srcOrd="0" destOrd="0" presId="urn:microsoft.com/office/officeart/2005/8/layout/radial1"/>
@@ -4188,7 +4188,7 @@
           <a:p>
             <a:fld id="{D630327D-BC87-40C2-B77D-05CE33A47FE6}" type="datetimeFigureOut">
               <a:rPr lang="ru-RU" smtClean="0"/>
-              <a:t>14.06.12</a:t>
+              <a:t>15.06.12</a:t>
             </a:fld>
             <a:endParaRPr lang="ru-RU"/>
           </a:p>
@@ -7890,10 +7890,32 @@
                   <a:srgbClr val="C00000"/>
                 </a:solidFill>
               </a:rPr>
-              <a:t>St.-Petersburg – USA/MA</a:t>
-            </a:r>
-          </a:p>
-          <a:p>
+              <a:t>St.-Petersburg – </a:t>
+            </a:r>
+            <a:r>
+              <a:rPr lang="en-US" dirty="0" smtClean="0">
+                <a:solidFill>
+                  <a:srgbClr val="C00000"/>
+                </a:solidFill>
+              </a:rPr>
+              <a:t>USA</a:t>
+            </a:r>
+            <a:r>
+              <a:rPr lang="ru-RU" dirty="0" smtClean="0">
+                <a:solidFill>
+                  <a:srgbClr val="C00000"/>
+                </a:solidFill>
+              </a:rPr>
+              <a:t>, </a:t>
+            </a:r>
+            <a:r>
+              <a:rPr lang="en-US" dirty="0" smtClean="0">
+                <a:solidFill>
+                  <a:srgbClr val="C00000"/>
+                </a:solidFill>
+              </a:rPr>
+              <a:t>Boston</a:t>
+            </a:r>
             <a:endParaRPr lang="en-US" dirty="0" smtClean="0"/>
           </a:p>
           <a:p>
@@ -7910,6 +7932,10 @@
             <a:r>
               <a:rPr lang="ru-RU" dirty="0" smtClean="0"/>
               <a:t>  </a:t>
+            </a:r>
+            <a:r>
+              <a:rPr lang="en-US" dirty="0" smtClean="0"/>
+              <a:t> </a:t>
             </a:r>
             <a:r>
               <a:rPr lang="en-US" dirty="0" smtClean="0">
@@ -7917,7 +7943,15 @@
                   <a:schemeClr val="tx1"/>
                 </a:solidFill>
               </a:rPr>
-              <a:t>Skype: </a:t>
+              <a:t>Skype</a:t>
+            </a:r>
+            <a:r>
+              <a:rPr lang="en-US" dirty="0" smtClean="0">
+                <a:solidFill>
+                  <a:schemeClr val="tx1"/>
+                </a:solidFill>
+              </a:rPr>
+              <a:t>: </a:t>
             </a:r>
             <a:r>
               <a:rPr lang="en-US" dirty="0" err="1" smtClean="0">
@@ -7945,12 +7979,24 @@
               <a:t>		</a:t>
             </a:r>
             <a:r>
+              <a:rPr lang="en-US" dirty="0" smtClean="0"/>
+              <a:t>  </a:t>
+            </a:r>
+            <a:r>
               <a:rPr lang="ru-RU" dirty="0" smtClean="0">
                 <a:solidFill>
                   <a:schemeClr val="tx1"/>
                 </a:solidFill>
               </a:rPr>
-              <a:t>моб.тел. +7(921)963-9469</a:t>
+              <a:t>моб.тел</a:t>
+            </a:r>
+            <a:r>
+              <a:rPr lang="ru-RU" dirty="0" smtClean="0">
+                <a:solidFill>
+                  <a:schemeClr val="tx1"/>
+                </a:solidFill>
+              </a:rPr>
+              <a:t>. +7(921)963-9469</a:t>
             </a:r>
             <a:endParaRPr lang="en-US" dirty="0">
               <a:solidFill>
@@ -8106,7 +8152,23 @@
             </a:pPr>
             <a:r>
               <a:rPr lang="ru-RU" dirty="0" smtClean="0"/>
-              <a:t>Каждый из нас одновременно использует несколько систем разнородных ПО, оперирующих слабо связанными данными.</a:t>
+              <a:t>Каждый из нас одновременно использует несколько систем разнородных ПО, оперирующих </a:t>
+            </a:r>
+            <a:r>
+              <a:rPr lang="ru-RU" dirty="0" smtClean="0"/>
+              <a:t>слабо</a:t>
+            </a:r>
+            <a:r>
+              <a:rPr lang="en-US" dirty="0"/>
+              <a:t>-</a:t>
+            </a:r>
+            <a:r>
+              <a:rPr lang="ru-RU" dirty="0" smtClean="0"/>
+              <a:t>связанными </a:t>
+            </a:r>
+            <a:r>
+              <a:rPr lang="ru-RU" dirty="0" smtClean="0"/>
+              <a:t>данными.</a:t>
             </a:r>
           </a:p>
           <a:p>
@@ -8503,7 +8565,11 @@
           <a:p>
             <a:r>
               <a:rPr lang="ru-RU" dirty="0" smtClean="0"/>
-              <a:t>На пример: </a:t>
+              <a:t>Например</a:t>
+            </a:r>
+            <a:r>
+              <a:rPr lang="ru-RU" dirty="0" smtClean="0"/>
+              <a:t>: </a:t>
             </a:r>
             <a:endParaRPr lang="ru-RU" dirty="0"/>
           </a:p>
@@ -10986,11 +11052,7 @@
             </a:pPr>
             <a:r>
               <a:rPr lang="ru-RU" dirty="0" smtClean="0"/>
-              <a:t>Продавцов (что </a:t>
-            </a:r>
-            <a:r>
-              <a:rPr lang="ru-RU" dirty="0" smtClean="0"/>
-              <a:t>продает</a:t>
+              <a:t>Продавцов (что продает</a:t>
             </a:r>
             <a:r>
               <a:rPr lang="en-US" dirty="0" smtClean="0"/>
@@ -11014,15 +11076,7 @@
             </a:r>
             <a:r>
               <a:rPr lang="ru-RU" dirty="0" smtClean="0"/>
-              <a:t> с </a:t>
-            </a:r>
-            <a:r>
-              <a:rPr lang="ru-RU" dirty="0" smtClean="0"/>
-              <a:t>кем в </a:t>
-            </a:r>
-            <a:r>
-              <a:rPr lang="ru-RU" dirty="0" smtClean="0"/>
-              <a:t>команде?)</a:t>
+              <a:t> с кем в команде?)</a:t>
             </a:r>
           </a:p>
           <a:p>
@@ -11065,7 +11119,7 @@
             </a:pPr>
             <a:r>
               <a:rPr lang="ru-RU" dirty="0" smtClean="0"/>
-              <a:t>Наименования Организаций (слова, в адресе: города, регионы)</a:t>
+              <a:t>Словари игнорируемых слов в Словарях</a:t>
             </a:r>
           </a:p>
           <a:p>
@@ -11077,12 +11131,12 @@
               <a:buChar char="q"/>
             </a:pPr>
             <a:r>
-              <a:rPr lang="en-US" dirty="0" smtClean="0"/>
-              <a:t>Foreign/External Key </a:t>
-            </a:r>
-            <a:r>
               <a:rPr lang="ru-RU" dirty="0" smtClean="0"/>
-              <a:t>для связи с другими БД</a:t>
+              <a:t>Наименования </a:t>
+            </a:r>
+            <a:r>
+              <a:rPr lang="ru-RU" dirty="0" smtClean="0"/>
+              <a:t>Организаций (слова, в адресе: города, регионы)</a:t>
             </a:r>
           </a:p>
           <a:p>
@@ -11094,8 +11148,12 @@
               <a:buChar char="q"/>
             </a:pPr>
             <a:r>
+              <a:rPr lang="en-US" dirty="0" smtClean="0"/>
+              <a:t>Dictionary Build – </a:t>
+            </a:r>
+            <a:r>
               <a:rPr lang="ru-RU" dirty="0" smtClean="0"/>
-              <a:t>Словари игнорируемых слов в Словарях</a:t>
+              <a:t>РЕДКО</a:t>
             </a:r>
           </a:p>
           <a:p>
@@ -11108,11 +11166,15 @@
             </a:pPr>
             <a:r>
               <a:rPr lang="en-US" dirty="0" smtClean="0"/>
-              <a:t>Dictionary Build – </a:t>
+              <a:t>Foreign/External </a:t>
+            </a:r>
+            <a:r>
+              <a:rPr lang="en-US" dirty="0" smtClean="0"/>
+              <a:t>Key </a:t>
             </a:r>
             <a:r>
               <a:rPr lang="ru-RU" dirty="0" smtClean="0"/>
-              <a:t>РЕДКО</a:t>
+              <a:t>для связи с другими БД</a:t>
             </a:r>
           </a:p>
           <a:p>
@@ -11322,11 +11384,7 @@
             </a:pPr>
             <a:r>
               <a:rPr lang="ru-RU" sz="2000" dirty="0" smtClean="0"/>
-              <a:t>Препроцессинг входящих отчетов </a:t>
-            </a:r>
-            <a:r>
-              <a:rPr lang="ru-RU" sz="2000" dirty="0" smtClean="0"/>
-              <a:t>по </a:t>
+              <a:t>Препроцессинг входящих отчетов по </a:t>
             </a:r>
             <a:r>
               <a:rPr lang="en-US" sz="2000" u="sng" dirty="0" smtClean="0"/>
@@ -11356,7 +11414,6 @@
               <a:rPr lang="ru-RU" sz="2000" dirty="0" smtClean="0"/>
               <a:t>»</a:t>
             </a:r>
-            <a:endParaRPr lang="ru-RU" sz="2000" dirty="0" smtClean="0"/>
           </a:p>
           <a:p>
             <a:pPr lvl="1">
@@ -11383,7 +11440,6 @@
               <a:rPr lang="ru-RU" sz="1800" dirty="0" smtClean="0"/>
               <a:t>Драйверы/форматы/типы обработки полей</a:t>
             </a:r>
-            <a:endParaRPr lang="ru-RU" sz="1800" dirty="0" smtClean="0"/>
           </a:p>
           <a:p>
             <a:pPr lvl="1">
@@ -11415,8 +11471,20 @@
               <a:buChar char="q"/>
             </a:pPr>
             <a:r>
+              <a:rPr lang="ru-RU" sz="1800" smtClean="0"/>
+              <a:t>Оглавление</a:t>
+            </a:r>
+            <a:r>
+              <a:rPr lang="en-US" sz="1800" smtClean="0"/>
+              <a:t> </a:t>
+            </a:r>
+            <a:r>
               <a:rPr lang="ru-RU" sz="1800" dirty="0" smtClean="0"/>
-              <a:t>Содержание = </a:t>
+              <a:t>(перечень отчетов и их описаний) </a:t>
+            </a:r>
+            <a:r>
+              <a:rPr lang="ru-RU" sz="1800" dirty="0" smtClean="0"/>
+              <a:t>= </a:t>
             </a:r>
             <a:r>
               <a:rPr lang="en-US" sz="1800" dirty="0" smtClean="0"/>

--- a/wiki/match.pptx
+++ b/wiki/match.pptx
@@ -5,7 +5,7 @@
     <p:sldMasterId id="2147483660" r:id="rId1"/>
   </p:sldMasterIdLst>
   <p:notesMasterIdLst>
-    <p:notesMasterId r:id="rId9"/>
+    <p:notesMasterId r:id="rId10"/>
   </p:notesMasterIdLst>
   <p:sldIdLst>
     <p:sldId id="256" r:id="rId2"/>
@@ -14,7 +14,8 @@
     <p:sldId id="259" r:id="rId5"/>
     <p:sldId id="260" r:id="rId6"/>
     <p:sldId id="261" r:id="rId7"/>
-    <p:sldId id="262" r:id="rId8"/>
+    <p:sldId id="263" r:id="rId8"/>
+    <p:sldId id="262" r:id="rId9"/>
   </p:sldIdLst>
   <p:sldSz cx="9144000" cy="6858000" type="screen4x3"/>
   <p:notesSz cx="6858000" cy="9144000"/>
@@ -1693,12 +1694,12 @@
     <dgm:cxn modelId="{7BA2D5FA-B5B7-4811-BD9C-5B4FDDEE123E}" type="presOf" srcId="{0DB48EB2-2691-4E3D-8B7F-D39CF66624BD}" destId="{1B21EAF1-8DD2-4495-845C-A84C61903CCC}" srcOrd="0" destOrd="0" presId="urn:microsoft.com/office/officeart/2005/8/layout/radial1"/>
     <dgm:cxn modelId="{BC064622-277C-4624-94E8-3B6C17F192F1}" type="presOf" srcId="{9033BEE1-11C2-47CB-BF8A-F5754957F8A1}" destId="{376CF924-297F-4122-ADFA-00FF8321419D}" srcOrd="0" destOrd="0" presId="urn:microsoft.com/office/officeart/2005/8/layout/radial1"/>
     <dgm:cxn modelId="{78E39564-4836-49BE-AC2F-E5DE46D4C172}" type="presOf" srcId="{93C82724-7A11-4633-8B2A-1DAADA23F26F}" destId="{09FDA291-2B88-440E-A5BD-BE23906A6944}" srcOrd="0" destOrd="0" presId="urn:microsoft.com/office/officeart/2005/8/layout/radial1"/>
+    <dgm:cxn modelId="{289FCAE2-C48F-4783-93AF-245260E75301}" srcId="{D5F15200-93E1-4868-B7BC-F15A0936E75B}" destId="{961EA740-FF57-41C0-9DF7-B57ABFB7FE4A}" srcOrd="0" destOrd="0" parTransId="{86F1B8FC-B35E-4994-99C4-D71C52932D1E}" sibTransId="{5AA4F320-D453-4BFB-9B56-3FE4B1BF70EF}"/>
     <dgm:cxn modelId="{4B0BF7F2-4325-4111-A9B6-8E3AEEAF1318}" type="presOf" srcId="{10743A9C-9350-4FBD-9131-784582F725C2}" destId="{955C68BA-5064-4E9A-B86E-8B38D4A76733}" srcOrd="0" destOrd="0" presId="urn:microsoft.com/office/officeart/2005/8/layout/radial1"/>
-    <dgm:cxn modelId="{289FCAE2-C48F-4783-93AF-245260E75301}" srcId="{D5F15200-93E1-4868-B7BC-F15A0936E75B}" destId="{961EA740-FF57-41C0-9DF7-B57ABFB7FE4A}" srcOrd="0" destOrd="0" parTransId="{86F1B8FC-B35E-4994-99C4-D71C52932D1E}" sibTransId="{5AA4F320-D453-4BFB-9B56-3FE4B1BF70EF}"/>
     <dgm:cxn modelId="{C351C22C-2B04-4281-920A-3C7C01C25C55}" srcId="{D5F15200-93E1-4868-B7BC-F15A0936E75B}" destId="{9033BEE1-11C2-47CB-BF8A-F5754957F8A1}" srcOrd="2" destOrd="0" parTransId="{0DB48EB2-2691-4E3D-8B7F-D39CF66624BD}" sibTransId="{FD6AC596-4F6F-453B-900B-165A571ACE7A}"/>
     <dgm:cxn modelId="{D472F23B-47F1-4577-8870-BEEF06CD4022}" type="presOf" srcId="{86F1B8FC-B35E-4994-99C4-D71C52932D1E}" destId="{9F8358B0-A290-4D47-A035-8D6E0D45B08D}" srcOrd="1" destOrd="0" presId="urn:microsoft.com/office/officeart/2005/8/layout/radial1"/>
+    <dgm:cxn modelId="{4F885813-AFA6-46C3-ACE4-8549FC00A78B}" type="presOf" srcId="{0DB48EB2-2691-4E3D-8B7F-D39CF66624BD}" destId="{D0BC2C87-A67C-46C4-B5F9-AD2F0EE33CBC}" srcOrd="1" destOrd="0" presId="urn:microsoft.com/office/officeart/2005/8/layout/radial1"/>
     <dgm:cxn modelId="{A8FF5C30-A16D-4AAD-A314-FF2F2BB965CC}" type="presOf" srcId="{961EA740-FF57-41C0-9DF7-B57ABFB7FE4A}" destId="{8EB9AAC8-5986-4402-887E-849AA77200D4}" srcOrd="0" destOrd="0" presId="urn:microsoft.com/office/officeart/2005/8/layout/radial1"/>
-    <dgm:cxn modelId="{4F885813-AFA6-46C3-ACE4-8549FC00A78B}" type="presOf" srcId="{0DB48EB2-2691-4E3D-8B7F-D39CF66624BD}" destId="{D0BC2C87-A67C-46C4-B5F9-AD2F0EE33CBC}" srcOrd="1" destOrd="0" presId="urn:microsoft.com/office/officeart/2005/8/layout/radial1"/>
     <dgm:cxn modelId="{E3F7BE68-E315-4533-B28D-484FE7FFD0F6}" srcId="{10743A9C-9350-4FBD-9131-784582F725C2}" destId="{D5F15200-93E1-4868-B7BC-F15A0936E75B}" srcOrd="0" destOrd="0" parTransId="{2A4178C5-8E14-4B18-9090-B9C8CECD7A8B}" sibTransId="{66F66A60-2CB5-4E0F-8B85-89AB881A7742}"/>
     <dgm:cxn modelId="{0F30F530-4666-41D7-B052-CE0E42A3530A}" srcId="{D5F15200-93E1-4868-B7BC-F15A0936E75B}" destId="{58BA2EBD-31FD-48C3-846E-210C8C1DCA49}" srcOrd="3" destOrd="0" parTransId="{53866EAA-44AC-4410-A773-A5A3CE9CDDB8}" sibTransId="{04487150-0325-4E15-9E3C-5B0437CFE560}"/>
     <dgm:cxn modelId="{1B7FD062-4228-419A-B21E-5248D0AA49DE}" type="presOf" srcId="{07630D6A-A692-4CED-8FA6-7377D0C973FB}" destId="{DB63A1BF-E733-4054-B23E-8E8F2C88D112}" srcOrd="1" destOrd="0" presId="urn:microsoft.com/office/officeart/2005/8/layout/radial1"/>
@@ -7890,15 +7891,7 @@
                   <a:srgbClr val="C00000"/>
                 </a:solidFill>
               </a:rPr>
-              <a:t>St.-Petersburg – </a:t>
-            </a:r>
-            <a:r>
-              <a:rPr lang="en-US" dirty="0" smtClean="0">
-                <a:solidFill>
-                  <a:srgbClr val="C00000"/>
-                </a:solidFill>
-              </a:rPr>
-              <a:t>USA</a:t>
+              <a:t>St.-Petersburg – USA</a:t>
             </a:r>
             <a:r>
               <a:rPr lang="ru-RU" dirty="0" smtClean="0">
@@ -7943,15 +7936,7 @@
                   <a:schemeClr val="tx1"/>
                 </a:solidFill>
               </a:rPr>
-              <a:t>Skype</a:t>
-            </a:r>
-            <a:r>
-              <a:rPr lang="en-US" dirty="0" smtClean="0">
-                <a:solidFill>
-                  <a:schemeClr val="tx1"/>
-                </a:solidFill>
-              </a:rPr>
-              <a:t>: </a:t>
+              <a:t>Skype: </a:t>
             </a:r>
             <a:r>
               <a:rPr lang="en-US" dirty="0" err="1" smtClean="0">
@@ -7976,11 +7961,7 @@
             </a:r>
             <a:r>
               <a:rPr lang="en-US" dirty="0" smtClean="0"/>
-              <a:t>		</a:t>
-            </a:r>
-            <a:r>
-              <a:rPr lang="en-US" dirty="0" smtClean="0"/>
-              <a:t>  </a:t>
+              <a:t>		  </a:t>
             </a:r>
             <a:r>
               <a:rPr lang="ru-RU" dirty="0" smtClean="0">
@@ -7988,15 +7969,7 @@
                   <a:schemeClr val="tx1"/>
                 </a:solidFill>
               </a:rPr>
-              <a:t>моб.тел</a:t>
-            </a:r>
-            <a:r>
-              <a:rPr lang="ru-RU" dirty="0" smtClean="0">
-                <a:solidFill>
-                  <a:schemeClr val="tx1"/>
-                </a:solidFill>
-              </a:rPr>
-              <a:t>. +7(921)963-9469</a:t>
+              <a:t>моб.тел. +7(921)963-9469</a:t>
             </a:r>
             <a:endParaRPr lang="en-US" dirty="0">
               <a:solidFill>
@@ -8152,11 +8125,7 @@
             </a:pPr>
             <a:r>
               <a:rPr lang="ru-RU" dirty="0" smtClean="0"/>
-              <a:t>Каждый из нас одновременно использует несколько систем разнородных ПО, оперирующих </a:t>
-            </a:r>
-            <a:r>
-              <a:rPr lang="ru-RU" dirty="0" smtClean="0"/>
-              <a:t>слабо</a:t>
+              <a:t>Каждый из нас одновременно использует несколько систем разнородных ПО, оперирующих слабо</a:t>
             </a:r>
             <a:r>
               <a:rPr lang="en-US" dirty="0"/>
@@ -8164,11 +8133,7 @@
             </a:r>
             <a:r>
               <a:rPr lang="ru-RU" dirty="0" smtClean="0"/>
-              <a:t>связанными </a:t>
-            </a:r>
-            <a:r>
-              <a:rPr lang="ru-RU" dirty="0" smtClean="0"/>
-              <a:t>данными.</a:t>
+              <a:t>связанными данными.</a:t>
             </a:r>
           </a:p>
           <a:p>
@@ -8565,11 +8530,7 @@
           <a:p>
             <a:r>
               <a:rPr lang="ru-RU" dirty="0" smtClean="0"/>
-              <a:t>Например</a:t>
-            </a:r>
-            <a:r>
-              <a:rPr lang="ru-RU" dirty="0" smtClean="0"/>
-              <a:t>: </a:t>
+              <a:t>Например: </a:t>
             </a:r>
             <a:endParaRPr lang="ru-RU" dirty="0"/>
           </a:p>
@@ -11132,11 +11093,7 @@
             </a:pPr>
             <a:r>
               <a:rPr lang="ru-RU" dirty="0" smtClean="0"/>
-              <a:t>Наименования </a:t>
-            </a:r>
-            <a:r>
-              <a:rPr lang="ru-RU" dirty="0" smtClean="0"/>
-              <a:t>Организаций (слова, в адресе: города, регионы)</a:t>
+              <a:t>Наименования Организаций (слова, в адресе: города, регионы)</a:t>
             </a:r>
           </a:p>
           <a:p>
@@ -11166,11 +11123,7 @@
             </a:pPr>
             <a:r>
               <a:rPr lang="en-US" dirty="0" smtClean="0"/>
-              <a:t>Foreign/External </a:t>
-            </a:r>
-            <a:r>
-              <a:rPr lang="en-US" dirty="0" smtClean="0"/>
-              <a:t>Key </a:t>
+              <a:t>Foreign/External Key </a:t>
             </a:r>
             <a:r>
               <a:rPr lang="ru-RU" dirty="0" smtClean="0"/>
@@ -11480,11 +11433,7 @@
             </a:r>
             <a:r>
               <a:rPr lang="ru-RU" sz="1800" dirty="0" smtClean="0"/>
-              <a:t>(перечень отчетов и их описаний) </a:t>
-            </a:r>
-            <a:r>
-              <a:rPr lang="ru-RU" sz="1800" dirty="0" smtClean="0"/>
-              <a:t>= </a:t>
+              <a:t>(перечень отчетов и их описаний) = </a:t>
             </a:r>
             <a:r>
               <a:rPr lang="en-US" sz="1800" dirty="0" smtClean="0"/>
@@ -11670,6 +11619,386 @@
 <file path=ppt/slides/slide7.xml><?xml version="1.0" encoding="utf-8"?>
 <p:sld xmlns:a="http://schemas.openxmlformats.org/drawingml/2006/main" xmlns:r="http://schemas.openxmlformats.org/officeDocument/2006/relationships" xmlns:p="http://schemas.openxmlformats.org/presentationml/2006/main">
   <p:cSld>
+    <p:spTree>
+      <p:nvGrpSpPr>
+        <p:cNvPr id="1" name=""/>
+        <p:cNvGrpSpPr/>
+        <p:nvPr/>
+      </p:nvGrpSpPr>
+      <p:grpSpPr>
+        <a:xfrm>
+          <a:off x="0" y="0"/>
+          <a:ext cx="0" cy="0"/>
+          <a:chOff x="0" y="0"/>
+          <a:chExt cx="0" cy="0"/>
+        </a:xfrm>
+      </p:grpSpPr>
+      <p:sp>
+        <p:nvSpPr>
+          <p:cNvPr id="2" name="Title 1"/>
+          <p:cNvSpPr>
+            <a:spLocks noGrp="1"/>
+          </p:cNvSpPr>
+          <p:nvPr>
+            <p:ph type="title"/>
+          </p:nvPr>
+        </p:nvSpPr>
+        <p:spPr/>
+        <p:txBody>
+          <a:bodyPr>
+            <a:normAutofit fontScale="90000"/>
+          </a:bodyPr>
+          <a:lstStyle/>
+          <a:p>
+            <a:r>
+              <a:rPr lang="ru-RU" dirty="0" smtClean="0"/>
+              <a:t> </a:t>
+            </a:r>
+            <a:br>
+              <a:rPr lang="ru-RU" dirty="0" smtClean="0"/>
+            </a:br>
+            <a:endParaRPr lang="ru-RU" dirty="0"/>
+          </a:p>
+        </p:txBody>
+      </p:sp>
+      <p:sp>
+        <p:nvSpPr>
+          <p:cNvPr id="3" name="Content Placeholder 2"/>
+          <p:cNvSpPr>
+            <a:spLocks noGrp="1"/>
+          </p:cNvSpPr>
+          <p:nvPr>
+            <p:ph idx="1"/>
+          </p:nvPr>
+        </p:nvSpPr>
+        <p:spPr>
+          <a:xfrm>
+            <a:off x="323528" y="2996952"/>
+            <a:ext cx="8405564" cy="3240360"/>
+          </a:xfrm>
+        </p:spPr>
+        <p:style>
+          <a:lnRef idx="0">
+            <a:schemeClr val="accent1"/>
+          </a:lnRef>
+          <a:fillRef idx="3">
+            <a:schemeClr val="accent1"/>
+          </a:fillRef>
+          <a:effectRef idx="3">
+            <a:schemeClr val="accent1"/>
+          </a:effectRef>
+          <a:fontRef idx="minor">
+            <a:schemeClr val="lt1"/>
+          </a:fontRef>
+        </p:style>
+        <p:txBody>
+          <a:bodyPr>
+            <a:noAutofit/>
+          </a:bodyPr>
+          <a:lstStyle/>
+          <a:p>
+            <a:pPr algn="ctr"/>
+            <a:r>
+              <a:rPr lang="en-US" sz="4000" b="1" i="1" dirty="0">
+                <a:solidFill>
+                  <a:schemeClr val="tx2"/>
+                </a:solidFill>
+              </a:rPr>
+              <a:t>Gartner predicts that by 2015, mobile app projects </a:t>
+            </a:r>
+            <a:r>
+              <a:rPr lang="ru-RU" sz="4000" b="1" i="1" dirty="0" smtClean="0">
+                <a:solidFill>
+                  <a:schemeClr val="tx2"/>
+                </a:solidFill>
+              </a:rPr>
+              <a:t/>
+            </a:r>
+            <a:br>
+              <a:rPr lang="ru-RU" sz="4000" b="1" i="1" dirty="0" smtClean="0">
+                <a:solidFill>
+                  <a:schemeClr val="tx2"/>
+                </a:solidFill>
+              </a:rPr>
+            </a:br>
+            <a:r>
+              <a:rPr lang="en-US" sz="4000" b="1" i="1" dirty="0" smtClean="0">
+                <a:solidFill>
+                  <a:schemeClr val="tx2"/>
+                </a:solidFill>
+              </a:rPr>
+              <a:t>will </a:t>
+            </a:r>
+            <a:r>
+              <a:rPr lang="en-US" sz="4000" b="1" i="1" dirty="0">
+                <a:solidFill>
+                  <a:schemeClr val="tx2"/>
+                </a:solidFill>
+              </a:rPr>
+              <a:t>outnumber PC app </a:t>
+            </a:r>
+            <a:r>
+              <a:rPr lang="en-US" sz="4000" b="1" i="1" dirty="0" smtClean="0">
+                <a:solidFill>
+                  <a:schemeClr val="tx2"/>
+                </a:solidFill>
+              </a:rPr>
+              <a:t>projects</a:t>
+            </a:r>
+            <a:endParaRPr lang="ru-RU" sz="4000" b="1" i="1" dirty="0" smtClean="0">
+              <a:solidFill>
+                <a:schemeClr val="tx2"/>
+              </a:solidFill>
+            </a:endParaRPr>
+          </a:p>
+          <a:p>
+            <a:pPr algn="ctr"/>
+            <a:r>
+              <a:rPr lang="en-US" sz="4000" b="1" i="1" dirty="0" smtClean="0">
+                <a:solidFill>
+                  <a:schemeClr val="tx2"/>
+                </a:solidFill>
+              </a:rPr>
+              <a:t> </a:t>
+            </a:r>
+            <a:r>
+              <a:rPr lang="en-US" sz="7200" b="1" i="1" dirty="0">
+                <a:solidFill>
+                  <a:schemeClr val="tx2"/>
+                </a:solidFill>
+                <a:effectLst>
+                  <a:outerShdw blurRad="38100" dist="38100" dir="2700000" algn="tl">
+                    <a:srgbClr val="000000">
+                      <a:alpha val="43137"/>
+                    </a:srgbClr>
+                  </a:outerShdw>
+                </a:effectLst>
+              </a:rPr>
+              <a:t>4-to-1</a:t>
+            </a:r>
+            <a:r>
+              <a:rPr lang="en-US" sz="5400" b="1" i="1" dirty="0">
+                <a:solidFill>
+                  <a:schemeClr val="tx2"/>
+                </a:solidFill>
+                <a:effectLst>
+                  <a:outerShdw blurRad="38100" dist="38100" dir="2700000" algn="tl">
+                    <a:srgbClr val="000000">
+                      <a:alpha val="43137"/>
+                    </a:srgbClr>
+                  </a:outerShdw>
+                </a:effectLst>
+              </a:rPr>
+              <a:t>.</a:t>
+            </a:r>
+            <a:endParaRPr lang="ru-RU" sz="4000" b="1" i="1" dirty="0">
+              <a:solidFill>
+                <a:schemeClr val="tx2"/>
+              </a:solidFill>
+              <a:effectLst>
+                <a:outerShdw blurRad="38100" dist="38100" dir="2700000" algn="tl">
+                  <a:srgbClr val="000000">
+                    <a:alpha val="43137"/>
+                  </a:srgbClr>
+                </a:outerShdw>
+              </a:effectLst>
+            </a:endParaRPr>
+          </a:p>
+        </p:txBody>
+      </p:sp>
+      <p:sp>
+        <p:nvSpPr>
+          <p:cNvPr id="4" name="Date Placeholder 3"/>
+          <p:cNvSpPr>
+            <a:spLocks noGrp="1"/>
+          </p:cNvSpPr>
+          <p:nvPr>
+            <p:ph type="dt" sz="half" idx="10"/>
+          </p:nvPr>
+        </p:nvSpPr>
+        <p:spPr/>
+        <p:txBody>
+          <a:bodyPr/>
+          <a:lstStyle/>
+          <a:p>
+            <a:r>
+              <a:rPr lang="ru-RU" smtClean="0"/>
+              <a:t>14.06.12</a:t>
+            </a:r>
+            <a:endParaRPr lang="ru-RU"/>
+          </a:p>
+        </p:txBody>
+      </p:sp>
+      <p:sp>
+        <p:nvSpPr>
+          <p:cNvPr id="5" name="Footer Placeholder 4"/>
+          <p:cNvSpPr>
+            <a:spLocks noGrp="1"/>
+          </p:cNvSpPr>
+          <p:nvPr>
+            <p:ph type="ftr" sz="quarter" idx="11"/>
+          </p:nvPr>
+        </p:nvSpPr>
+        <p:spPr/>
+        <p:txBody>
+          <a:bodyPr/>
+          <a:lstStyle/>
+          <a:p>
+            <a:r>
+              <a:rPr lang="en-US" smtClean="0"/>
+              <a:t>code.google.com/p/</a:t>
+            </a:r>
+            <a:r>
+              <a:rPr lang="en-US" sz="1600" b="1" smtClean="0">
+                <a:solidFill>
+                  <a:schemeClr val="tx2"/>
+                </a:solidFill>
+                <a:effectLst>
+                  <a:outerShdw blurRad="38100" dist="38100" dir="2700000" algn="tl">
+                    <a:srgbClr val="000000">
+                      <a:alpha val="43137"/>
+                    </a:srgbClr>
+                  </a:outerShdw>
+                </a:effectLst>
+              </a:rPr>
+              <a:t>match</a:t>
+            </a:r>
+            <a:endParaRPr lang="ru-RU" sz="1600" b="1" dirty="0">
+              <a:solidFill>
+                <a:schemeClr val="tx2"/>
+              </a:solidFill>
+              <a:effectLst>
+                <a:outerShdw blurRad="38100" dist="38100" dir="2700000" algn="tl">
+                  <a:srgbClr val="000000">
+                    <a:alpha val="43137"/>
+                  </a:srgbClr>
+                </a:outerShdw>
+              </a:effectLst>
+            </a:endParaRPr>
+          </a:p>
+        </p:txBody>
+      </p:sp>
+      <p:sp>
+        <p:nvSpPr>
+          <p:cNvPr id="6" name="Slide Number Placeholder 5"/>
+          <p:cNvSpPr>
+            <a:spLocks noGrp="1"/>
+          </p:cNvSpPr>
+          <p:nvPr>
+            <p:ph type="sldNum" sz="quarter" idx="12"/>
+          </p:nvPr>
+        </p:nvSpPr>
+        <p:spPr/>
+        <p:txBody>
+          <a:bodyPr/>
+          <a:lstStyle/>
+          <a:p>
+            <a:fld id="{A3D050AD-B05A-4346-8FEB-0A36D998224F}" type="slidenum">
+              <a:rPr lang="ru-RU" smtClean="0"/>
+              <a:t>7</a:t>
+            </a:fld>
+            <a:endParaRPr lang="ru-RU" dirty="0"/>
+          </a:p>
+        </p:txBody>
+      </p:sp>
+      <p:pic>
+        <p:nvPicPr>
+          <p:cNvPr id="1026" name="Picture 2" descr="C:\Users\Пользователь\Desktop\SalesForce.jpg"/>
+          <p:cNvPicPr>
+            <a:picLocks noChangeAspect="1" noChangeArrowheads="1"/>
+          </p:cNvPicPr>
+          <p:nvPr/>
+        </p:nvPicPr>
+        <p:blipFill>
+          <a:blip r:embed="rId2">
+            <a:extLst>
+              <a:ext uri="{28A0092B-C50C-407E-A947-70E740481C1C}">
+                <a14:useLocalDpi xmlns:a14="http://schemas.microsoft.com/office/drawing/2010/main" val="0"/>
+              </a:ext>
+            </a:extLst>
+          </a:blip>
+          <a:srcRect/>
+          <a:stretch>
+            <a:fillRect/>
+          </a:stretch>
+        </p:blipFill>
+        <p:spPr bwMode="auto">
+          <a:xfrm>
+            <a:off x="4499992" y="548680"/>
+            <a:ext cx="4229100" cy="2371726"/>
+          </a:xfrm>
+          <a:prstGeom prst="rect">
+            <a:avLst/>
+          </a:prstGeom>
+          <a:noFill/>
+          <a:extLst>
+            <a:ext uri="{909E8E84-426E-40DD-AFC4-6F175D3DCCD1}">
+              <a14:hiddenFill xmlns:a14="http://schemas.microsoft.com/office/drawing/2010/main">
+                <a:solidFill>
+                  <a:srgbClr val="FFFFFF"/>
+                </a:solidFill>
+              </a14:hiddenFill>
+            </a:ext>
+          </a:extLst>
+        </p:spPr>
+      </p:pic>
+      <p:pic>
+        <p:nvPicPr>
+          <p:cNvPr id="1027" name="Picture 3" descr="C:\Users\Пользователь\Desktop\developerforce_logo.png"/>
+          <p:cNvPicPr>
+            <a:picLocks noChangeAspect="1" noChangeArrowheads="1"/>
+          </p:cNvPicPr>
+          <p:nvPr/>
+        </p:nvPicPr>
+        <p:blipFill>
+          <a:blip r:embed="rId3">
+            <a:extLst>
+              <a:ext uri="{28A0092B-C50C-407E-A947-70E740481C1C}">
+                <a14:useLocalDpi xmlns:a14="http://schemas.microsoft.com/office/drawing/2010/main" val="0"/>
+              </a:ext>
+            </a:extLst>
+          </a:blip>
+          <a:srcRect/>
+          <a:stretch>
+            <a:fillRect/>
+          </a:stretch>
+        </p:blipFill>
+        <p:spPr bwMode="auto">
+          <a:xfrm>
+            <a:off x="539552" y="692696"/>
+            <a:ext cx="3741933" cy="792088"/>
+          </a:xfrm>
+          <a:prstGeom prst="rect">
+            <a:avLst/>
+          </a:prstGeom>
+          <a:noFill/>
+          <a:extLst>
+            <a:ext uri="{909E8E84-426E-40DD-AFC4-6F175D3DCCD1}">
+              <a14:hiddenFill xmlns:a14="http://schemas.microsoft.com/office/drawing/2010/main">
+                <a:solidFill>
+                  <a:srgbClr val="FFFFFF"/>
+                </a:solidFill>
+              </a14:hiddenFill>
+            </a:ext>
+          </a:extLst>
+        </p:spPr>
+      </p:pic>
+    </p:spTree>
+    <p:extLst>
+      <p:ext uri="{BB962C8B-B14F-4D97-AF65-F5344CB8AC3E}">
+        <p14:creationId xmlns:p14="http://schemas.microsoft.com/office/powerpoint/2010/main" val="4221698713"/>
+      </p:ext>
+    </p:extLst>
+  </p:cSld>
+  <p:clrMapOvr>
+    <a:masterClrMapping/>
+  </p:clrMapOvr>
+</p:sld>
+</file>
+
+<file path=ppt/slides/slide8.xml><?xml version="1.0" encoding="utf-8"?>
+<p:sld xmlns:a="http://schemas.openxmlformats.org/drawingml/2006/main" xmlns:r="http://schemas.openxmlformats.org/officeDocument/2006/relationships" xmlns:p="http://schemas.openxmlformats.org/presentationml/2006/main">
+  <p:cSld>
     <p:bg>
       <p:bgPr>
         <a:solidFill>
@@ -11750,7 +12079,7 @@
           <a:p>
             <a:fld id="{A3D050AD-B05A-4346-8FEB-0A36D998224F}" type="slidenum">
               <a:rPr lang="ru-RU" smtClean="0"/>
-              <a:t>7</a:t>
+              <a:t>8</a:t>
             </a:fld>
             <a:endParaRPr lang="ru-RU" dirty="0"/>
           </a:p>
